--- a/ppt.pptx
+++ b/ppt.pptx
@@ -6340,7 +6340,10 @@
           <a:bodyPr/>
           <a:lstStyle/>
           <a:p>
-            <a:endParaRPr lang="en-US"/>
+            <a:r>
+              <a:rPr lang="en-US"/>
+              <a:t>https://github.com/vyokeshbsccs24113-hash/Yokesh-24213.git</a:t>
+            </a:r>
           </a:p>
         </p:txBody>
       </p:sp>
